--- a/Day 6/Slides/3. Introduction to JDBC/introduction-to-jdbc-slides.pptx
+++ b/Day 6/Slides/3. Introduction to JDBC/introduction-to-jdbc-slides.pptx
@@ -5,27 +5,27 @@
     <p:sldMasterId id="2147483648" r:id="rId1"/>
   </p:sldMasterIdLst>
   <p:notesMasterIdLst>
-    <p:notesMasterId r:id="rId21"/>
+    <p:notesMasterId r:id="rId20"/>
   </p:notesMasterIdLst>
   <p:sldIdLst>
-    <p:sldId id="256" r:id="rId3"/>
-    <p:sldId id="262" r:id="rId4"/>
-    <p:sldId id="257" r:id="rId5"/>
-    <p:sldId id="258" r:id="rId6"/>
-    <p:sldId id="259" r:id="rId7"/>
-    <p:sldId id="260" r:id="rId8"/>
-    <p:sldId id="261" r:id="rId9"/>
-    <p:sldId id="263" r:id="rId10"/>
-    <p:sldId id="264" r:id="rId11"/>
-    <p:sldId id="276" r:id="rId12"/>
-    <p:sldId id="266" r:id="rId13"/>
-    <p:sldId id="265" r:id="rId14"/>
-    <p:sldId id="277" r:id="rId15"/>
-    <p:sldId id="278" r:id="rId16"/>
-    <p:sldId id="267" r:id="rId17"/>
-    <p:sldId id="268" r:id="rId18"/>
-    <p:sldId id="269" r:id="rId19"/>
-    <p:sldId id="270" r:id="rId20"/>
+    <p:sldId id="256" r:id="rId2"/>
+    <p:sldId id="262" r:id="rId3"/>
+    <p:sldId id="257" r:id="rId4"/>
+    <p:sldId id="258" r:id="rId5"/>
+    <p:sldId id="259" r:id="rId6"/>
+    <p:sldId id="260" r:id="rId7"/>
+    <p:sldId id="261" r:id="rId8"/>
+    <p:sldId id="263" r:id="rId9"/>
+    <p:sldId id="264" r:id="rId10"/>
+    <p:sldId id="276" r:id="rId11"/>
+    <p:sldId id="266" r:id="rId12"/>
+    <p:sldId id="265" r:id="rId13"/>
+    <p:sldId id="277" r:id="rId14"/>
+    <p:sldId id="278" r:id="rId15"/>
+    <p:sldId id="267" r:id="rId16"/>
+    <p:sldId id="268" r:id="rId17"/>
+    <p:sldId id="269" r:id="rId18"/>
+    <p:sldId id="270" r:id="rId19"/>
   </p:sldIdLst>
   <p:sldSz cx="18288000" cy="10287000"/>
   <p:notesSz cx="18288000" cy="10287000"/>
@@ -121,6 +121,22 @@
       </a:defRPr>
     </a:lvl9pPr>
   </p:defaultTextStyle>
+  <p:extLst>
+    <p:ext uri="{EFAFB233-063F-42B5-8137-9DF3F51BA10A}">
+      <p15:sldGuideLst xmlns:p15="http://schemas.microsoft.com/office/powerpoint/2012/main">
+        <p15:guide id="1" orient="horz" pos="2880">
+          <p15:clr>
+            <a:srgbClr val="A4A3A4"/>
+          </p15:clr>
+        </p15:guide>
+        <p15:guide id="2" pos="2154">
+          <p15:clr>
+            <a:srgbClr val="A4A3A4"/>
+          </p15:clr>
+        </p15:guide>
+      </p15:sldGuideLst>
+    </p:ext>
+  </p:extLst>
 </p:presentation>
 </file>
 
@@ -206,6 +222,7 @@
           <a:p>
             <a:fld id="{3EFD42F7-718C-4B98-AAEC-167E6DDD60A7}" type="datetimeFigureOut">
               <a:rPr lang="en-US" smtClean="0"/>
+              <a:t>8/6/2023</a:t>
             </a:fld>
             <a:endParaRPr lang="en-US"/>
           </a:p>
@@ -269,42 +286,37 @@
           <a:p>
             <a:pPr lvl="0"/>
             <a:r>
-              <a:rPr lang="en-US" smtClean="0"/>
+              <a:rPr lang="en-US"/>
               <a:t>Click to edit Master text styles</a:t>
             </a:r>
-            <a:endParaRPr lang="en-US" smtClean="0"/>
           </a:p>
           <a:p>
             <a:pPr lvl="1"/>
             <a:r>
-              <a:rPr lang="en-US" smtClean="0"/>
+              <a:rPr lang="en-US"/>
               <a:t>Second level</a:t>
             </a:r>
-            <a:endParaRPr lang="en-US" smtClean="0"/>
           </a:p>
           <a:p>
             <a:pPr lvl="2"/>
             <a:r>
-              <a:rPr lang="en-US" smtClean="0"/>
+              <a:rPr lang="en-US"/>
               <a:t>Third level</a:t>
             </a:r>
-            <a:endParaRPr lang="en-US" smtClean="0"/>
           </a:p>
           <a:p>
             <a:pPr lvl="3"/>
             <a:r>
-              <a:rPr lang="en-US" smtClean="0"/>
+              <a:rPr lang="en-US"/>
               <a:t>Fourth level</a:t>
             </a:r>
-            <a:endParaRPr lang="en-US" smtClean="0"/>
           </a:p>
           <a:p>
             <a:pPr lvl="4"/>
             <a:r>
-              <a:rPr lang="en-US" smtClean="0"/>
+              <a:rPr lang="en-US"/>
               <a:t>Fifth level</a:t>
             </a:r>
-            <a:endParaRPr lang="en-US"/>
           </a:p>
         </p:txBody>
       </p:sp>
@@ -368,6 +380,7 @@
           <a:p>
             <a:fld id="{21B2AA4F-B828-4D7C-AFD3-893933DAFCB4}" type="slidenum">
               <a:rPr lang="en-US" smtClean="0"/>
+              <a:t>‹#›</a:t>
             </a:fld>
             <a:endParaRPr lang="en-US"/>
           </a:p>
@@ -520,7 +533,9 @@
               </a:defRPr>
             </a:lvl1pPr>
           </a:lstStyle>
-          <a:p/>
+          <a:p>
+            <a:endParaRPr/>
+          </a:p>
         </p:txBody>
       </p:sp>
       <p:sp>
@@ -551,7 +566,9 @@
               <a:defRPr/>
             </a:lvl1pPr>
           </a:lstStyle>
-          <a:p/>
+          <a:p>
+            <a:endParaRPr/>
+          </a:p>
         </p:txBody>
       </p:sp>
       <p:sp>
@@ -578,7 +595,9 @@
               </a:defRPr>
             </a:lvl1pPr>
           </a:lstStyle>
-          <a:p/>
+          <a:p>
+            <a:endParaRPr/>
+          </a:p>
         </p:txBody>
       </p:sp>
       <p:sp>
@@ -608,6 +627,7 @@
           <a:p>
             <a:fld id="{1D8BD707-D9CF-40AE-B4C6-C98DA3205C09}" type="datetimeFigureOut">
               <a:rPr lang="en-US"/>
+              <a:t>8/6/2023</a:t>
             </a:fld>
             <a:endParaRPr lang="en-US"/>
           </a:p>
@@ -640,6 +660,7 @@
           <a:p>
             <a:fld id="{B6F15528-21DE-4FAA-801E-634DDDAF4B2B}" type="slidenum">
               <a:rPr/>
+              <a:t>‹#›</a:t>
             </a:fld>
             <a:endParaRPr/>
           </a:p>
@@ -695,7 +716,9 @@
               </a:defRPr>
             </a:lvl1pPr>
           </a:lstStyle>
-          <a:p/>
+          <a:p>
+            <a:endParaRPr/>
+          </a:p>
         </p:txBody>
       </p:sp>
       <p:sp>
@@ -722,7 +745,9 @@
               </a:defRPr>
             </a:lvl1pPr>
           </a:lstStyle>
-          <a:p/>
+          <a:p>
+            <a:endParaRPr/>
+          </a:p>
         </p:txBody>
       </p:sp>
       <p:sp>
@@ -749,7 +774,9 @@
               </a:defRPr>
             </a:lvl1pPr>
           </a:lstStyle>
-          <a:p/>
+          <a:p>
+            <a:endParaRPr/>
+          </a:p>
         </p:txBody>
       </p:sp>
       <p:sp>
@@ -779,6 +806,7 @@
           <a:p>
             <a:fld id="{1D8BD707-D9CF-40AE-B4C6-C98DA3205C09}" type="datetimeFigureOut">
               <a:rPr lang="en-US"/>
+              <a:t>8/6/2023</a:t>
             </a:fld>
             <a:endParaRPr lang="en-US"/>
           </a:p>
@@ -811,6 +839,7 @@
           <a:p>
             <a:fld id="{B6F15528-21DE-4FAA-801E-634DDDAF4B2B}" type="slidenum">
               <a:rPr/>
+              <a:t>‹#›</a:t>
             </a:fld>
             <a:endParaRPr/>
           </a:p>
@@ -826,7 +855,7 @@
 </file>
 
 <file path=ppt/slideLayouts/slideLayout3.xml><?xml version="1.0" encoding="utf-8"?>
-<p:sldLayout xmlns:a="http://schemas.openxmlformats.org/drawingml/2006/main" xmlns:r="http://schemas.openxmlformats.org/officeDocument/2006/relationships" xmlns:p="http://schemas.openxmlformats.org/presentationml/2006/main" type="obj" preserve="1" showMasterSp="0">
+<p:sldLayout xmlns:a="http://schemas.openxmlformats.org/drawingml/2006/main" xmlns:r="http://schemas.openxmlformats.org/officeDocument/2006/relationships" xmlns:p="http://schemas.openxmlformats.org/presentationml/2006/main" showMasterSp="0" type="obj" preserve="1">
   <p:cSld name="Two Content">
     <p:bg>
       <p:bgPr>
@@ -895,7 +924,9 @@
         <p:txBody>
           <a:bodyPr wrap="square" lIns="0" tIns="0" rIns="0" bIns="0" rtlCol="0"/>
           <a:lstStyle/>
-          <a:p/>
+          <a:p>
+            <a:endParaRPr/>
+          </a:p>
         </p:txBody>
       </p:sp>
       <p:pic>
@@ -965,7 +996,9 @@
         <p:txBody>
           <a:bodyPr wrap="square" lIns="0" tIns="0" rIns="0" bIns="0" rtlCol="0"/>
           <a:lstStyle/>
-          <a:p/>
+          <a:p>
+            <a:endParaRPr/>
+          </a:p>
         </p:txBody>
       </p:sp>
       <p:sp>
@@ -992,7 +1025,9 @@
               </a:defRPr>
             </a:lvl1pPr>
           </a:lstStyle>
-          <a:p/>
+          <a:p>
+            <a:endParaRPr/>
+          </a:p>
         </p:txBody>
       </p:sp>
       <p:sp>
@@ -1023,7 +1058,9 @@
               <a:defRPr/>
             </a:lvl1pPr>
           </a:lstStyle>
-          <a:p/>
+          <a:p>
+            <a:endParaRPr/>
+          </a:p>
         </p:txBody>
       </p:sp>
       <p:sp>
@@ -1054,7 +1091,9 @@
               <a:defRPr/>
             </a:lvl1pPr>
           </a:lstStyle>
-          <a:p/>
+          <a:p>
+            <a:endParaRPr/>
+          </a:p>
         </p:txBody>
       </p:sp>
       <p:sp>
@@ -1081,7 +1120,9 @@
               </a:defRPr>
             </a:lvl1pPr>
           </a:lstStyle>
-          <a:p/>
+          <a:p>
+            <a:endParaRPr/>
+          </a:p>
         </p:txBody>
       </p:sp>
       <p:sp>
@@ -1111,6 +1152,7 @@
           <a:p>
             <a:fld id="{1D8BD707-D9CF-40AE-B4C6-C98DA3205C09}" type="datetimeFigureOut">
               <a:rPr lang="en-US"/>
+              <a:t>8/6/2023</a:t>
             </a:fld>
             <a:endParaRPr lang="en-US"/>
           </a:p>
@@ -1143,6 +1185,7 @@
           <a:p>
             <a:fld id="{B6F15528-21DE-4FAA-801E-634DDDAF4B2B}" type="slidenum">
               <a:rPr/>
+              <a:t>‹#›</a:t>
             </a:fld>
             <a:endParaRPr/>
           </a:p>
@@ -1198,7 +1241,9 @@
               </a:defRPr>
             </a:lvl1pPr>
           </a:lstStyle>
-          <a:p/>
+          <a:p>
+            <a:endParaRPr/>
+          </a:p>
         </p:txBody>
       </p:sp>
       <p:sp>
@@ -1225,7 +1270,9 @@
               </a:defRPr>
             </a:lvl1pPr>
           </a:lstStyle>
-          <a:p/>
+          <a:p>
+            <a:endParaRPr/>
+          </a:p>
         </p:txBody>
       </p:sp>
       <p:sp>
@@ -1255,6 +1302,7 @@
           <a:p>
             <a:fld id="{1D8BD707-D9CF-40AE-B4C6-C98DA3205C09}" type="datetimeFigureOut">
               <a:rPr lang="en-US"/>
+              <a:t>8/6/2023</a:t>
             </a:fld>
             <a:endParaRPr lang="en-US"/>
           </a:p>
@@ -1287,6 +1335,7 @@
           <a:p>
             <a:fld id="{B6F15528-21DE-4FAA-801E-634DDDAF4B2B}" type="slidenum">
               <a:rPr/>
+              <a:t>‹#›</a:t>
             </a:fld>
             <a:endParaRPr/>
           </a:p>
@@ -1302,7 +1351,7 @@
 </file>
 
 <file path=ppt/slideLayouts/slideLayout5.xml><?xml version="1.0" encoding="utf-8"?>
-<p:sldLayout xmlns:a="http://schemas.openxmlformats.org/drawingml/2006/main" xmlns:r="http://schemas.openxmlformats.org/officeDocument/2006/relationships" xmlns:p="http://schemas.openxmlformats.org/presentationml/2006/main" type="obj" preserve="1" showMasterSp="0">
+<p:sldLayout xmlns:a="http://schemas.openxmlformats.org/drawingml/2006/main" xmlns:r="http://schemas.openxmlformats.org/officeDocument/2006/relationships" xmlns:p="http://schemas.openxmlformats.org/presentationml/2006/main" showMasterSp="0" type="obj" preserve="1">
   <p:cSld name="Blank">
     <p:bg>
       <p:bgPr>
@@ -1371,7 +1420,9 @@
         <p:txBody>
           <a:bodyPr wrap="square" lIns="0" tIns="0" rIns="0" bIns="0" rtlCol="0"/>
           <a:lstStyle/>
-          <a:p/>
+          <a:p>
+            <a:endParaRPr/>
+          </a:p>
         </p:txBody>
       </p:sp>
       <p:pic>
@@ -1441,7 +1492,9 @@
         <p:txBody>
           <a:bodyPr wrap="square" lIns="0" tIns="0" rIns="0" bIns="0" rtlCol="0"/>
           <a:lstStyle/>
-          <a:p/>
+          <a:p>
+            <a:endParaRPr/>
+          </a:p>
         </p:txBody>
       </p:sp>
       <p:sp>
@@ -1468,7 +1521,9 @@
               </a:defRPr>
             </a:lvl1pPr>
           </a:lstStyle>
-          <a:p/>
+          <a:p>
+            <a:endParaRPr/>
+          </a:p>
         </p:txBody>
       </p:sp>
       <p:sp>
@@ -1498,6 +1553,7 @@
           <a:p>
             <a:fld id="{1D8BD707-D9CF-40AE-B4C6-C98DA3205C09}" type="datetimeFigureOut">
               <a:rPr lang="en-US"/>
+              <a:t>8/6/2023</a:t>
             </a:fld>
             <a:endParaRPr lang="en-US"/>
           </a:p>
@@ -1530,6 +1586,7 @@
           <a:p>
             <a:fld id="{B6F15528-21DE-4FAA-801E-634DDDAF4B2B}" type="slidenum">
               <a:rPr/>
+              <a:t>‹#›</a:t>
             </a:fld>
             <a:endParaRPr/>
           </a:p>
@@ -1603,7 +1660,9 @@
               </a:defRPr>
             </a:lvl1pPr>
           </a:lstStyle>
-          <a:p/>
+          <a:p>
+            <a:endParaRPr/>
+          </a:p>
         </p:txBody>
       </p:sp>
       <p:sp>
@@ -1640,7 +1699,9 @@
               </a:defRPr>
             </a:lvl1pPr>
           </a:lstStyle>
-          <a:p/>
+          <a:p>
+            <a:endParaRPr/>
+          </a:p>
         </p:txBody>
       </p:sp>
       <p:sp>
@@ -1677,7 +1738,9 @@
               </a:defRPr>
             </a:lvl1pPr>
           </a:lstStyle>
-          <a:p/>
+          <a:p>
+            <a:endParaRPr/>
+          </a:p>
         </p:txBody>
       </p:sp>
       <p:sp>
@@ -1717,6 +1780,7 @@
           <a:p>
             <a:fld id="{1D8BD707-D9CF-40AE-B4C6-C98DA3205C09}" type="datetimeFigureOut">
               <a:rPr lang="en-US"/>
+              <a:t>8/6/2023</a:t>
             </a:fld>
             <a:endParaRPr lang="en-US"/>
           </a:p>
@@ -1759,6 +1823,7 @@
           <a:p>
             <a:fld id="{B6F15528-21DE-4FAA-801E-634DDDAF4B2B}" type="slidenum">
               <a:rPr/>
+              <a:t>‹#›</a:t>
             </a:fld>
             <a:endParaRPr/>
           </a:p>
@@ -1943,7 +2008,7 @@
           <p:nvPr/>
         </p:nvPicPr>
         <p:blipFill>
-          <a:blip r:embed="rId1" cstate="print"/>
+          <a:blip r:embed="rId2" cstate="print"/>
           <a:stretch>
             <a:fillRect/>
           </a:stretch>
@@ -2028,9 +2093,11 @@
         <p:spPr/>
         <p:txBody>
           <a:bodyPr/>
+          <a:lstStyle/>
           <a:p>
             <a:fld id="{B6F15528-21DE-4FAA-801E-634DDDAF4B2B}" type="slidenum">
               <a:rPr/>
+              <a:t>1</a:t>
             </a:fld>
             <a:endParaRPr/>
           </a:p>
@@ -2149,52 +2216,6 @@
       </p:sp>
       <p:sp>
         <p:nvSpPr>
-          <p:cNvPr id="3" name="object 3"/>
-          <p:cNvSpPr txBox="1"/>
-          <p:nvPr/>
-        </p:nvSpPr>
-        <p:spPr>
-          <a:xfrm>
-            <a:off x="309033" y="2360676"/>
-            <a:ext cx="12673965" cy="513080"/>
-          </a:xfrm>
-          <a:prstGeom prst="rect">
-            <a:avLst/>
-          </a:prstGeom>
-        </p:spPr>
-        <p:txBody>
-          <a:bodyPr vert="horz" wrap="square" lIns="0" tIns="12700" rIns="0" bIns="0" rtlCol="0">
-            <a:spAutoFit/>
-          </a:bodyPr>
-          <a:lstStyle/>
-          <a:p>
-            <a:pPr marL="12700">
-              <a:lnSpc>
-                <a:spcPct val="100000"/>
-              </a:lnSpc>
-              <a:spcBef>
-                <a:spcPts val="100"/>
-              </a:spcBef>
-            </a:pPr>
-            <a:r>
-              <a:rPr sz="3200" spc="-10" dirty="0">
-                <a:solidFill>
-                  <a:srgbClr val="171717"/>
-                </a:solidFill>
-                <a:latin typeface="Arial MT"/>
-                <a:cs typeface="Arial MT"/>
-              </a:rPr>
-              <a:t>DriverManager.getConnection("jdbc:mysql://localhost:3306/loboticket")</a:t>
-            </a:r>
-            <a:endParaRPr sz="3200">
-              <a:latin typeface="Arial MT"/>
-              <a:cs typeface="Arial MT"/>
-            </a:endParaRPr>
-          </a:p>
-        </p:txBody>
-      </p:sp>
-      <p:sp>
-        <p:nvSpPr>
           <p:cNvPr id="4" name="Slide Number Placeholder 3"/>
           <p:cNvSpPr>
             <a:spLocks noGrp="1"/>
@@ -2206,11 +2227,150 @@
         <p:spPr/>
         <p:txBody>
           <a:bodyPr/>
+          <a:lstStyle/>
           <a:p>
             <a:fld id="{B6F15528-21DE-4FAA-801E-634DDDAF4B2B}" type="slidenum">
               <a:rPr/>
+              <a:t>10</a:t>
             </a:fld>
             <a:endParaRPr/>
+          </a:p>
+        </p:txBody>
+      </p:sp>
+      <p:pic>
+        <p:nvPicPr>
+          <p:cNvPr id="6" name="Picture 5">
+            <a:extLst>
+              <a:ext uri="{FF2B5EF4-FFF2-40B4-BE49-F238E27FC236}">
+                <a16:creationId xmlns:a16="http://schemas.microsoft.com/office/drawing/2014/main" id="{AFA722DA-56B8-7C16-5ED4-61BC16BC6BF3}"/>
+              </a:ext>
+            </a:extLst>
+          </p:cNvPr>
+          <p:cNvPicPr>
+            <a:picLocks noChangeAspect="1"/>
+          </p:cNvPicPr>
+          <p:nvPr/>
+        </p:nvPicPr>
+        <p:blipFill>
+          <a:blip r:embed="rId2"/>
+          <a:stretch>
+            <a:fillRect/>
+          </a:stretch>
+        </p:blipFill>
+        <p:spPr>
+          <a:xfrm>
+            <a:off x="4038600" y="3912763"/>
+            <a:ext cx="12301628" cy="4013561"/>
+          </a:xfrm>
+          <a:prstGeom prst="rect">
+            <a:avLst/>
+          </a:prstGeom>
+        </p:spPr>
+      </p:pic>
+      <p:sp>
+        <p:nvSpPr>
+          <p:cNvPr id="8" name="object 3">
+            <a:extLst>
+              <a:ext uri="{FF2B5EF4-FFF2-40B4-BE49-F238E27FC236}">
+                <a16:creationId xmlns:a16="http://schemas.microsoft.com/office/drawing/2014/main" id="{0949D371-60BA-A1E7-E183-26DA7187D12C}"/>
+              </a:ext>
+            </a:extLst>
+          </p:cNvPr>
+          <p:cNvSpPr txBox="1"/>
+          <p:nvPr/>
+        </p:nvSpPr>
+        <p:spPr>
+          <a:xfrm>
+            <a:off x="309033" y="2360676"/>
+            <a:ext cx="16607367" cy="997709"/>
+          </a:xfrm>
+          <a:prstGeom prst="rect">
+            <a:avLst/>
+          </a:prstGeom>
+        </p:spPr>
+        <p:txBody>
+          <a:bodyPr vert="horz" wrap="square" lIns="0" tIns="12700" rIns="0" bIns="0" rtlCol="0">
+            <a:spAutoFit/>
+          </a:bodyPr>
+          <a:lstStyle/>
+          <a:p>
+            <a:pPr marL="12700">
+              <a:spcBef>
+                <a:spcPts val="100"/>
+              </a:spcBef>
+            </a:pPr>
+            <a:r>
+              <a:rPr sz="3200" spc="-10" dirty="0" err="1">
+                <a:solidFill>
+                  <a:srgbClr val="171717"/>
+                </a:solidFill>
+                <a:latin typeface="Arial MT"/>
+              </a:rPr>
+              <a:t>DriverManager.getConnection</a:t>
+            </a:r>
+            <a:r>
+              <a:rPr sz="3200" spc="-10" dirty="0">
+                <a:solidFill>
+                  <a:srgbClr val="171717"/>
+                </a:solidFill>
+                <a:latin typeface="Arial MT"/>
+              </a:rPr>
+              <a:t>("</a:t>
+            </a:r>
+            <a:r>
+              <a:rPr lang="en-US" sz="3200" spc="-10" dirty="0" err="1">
+                <a:solidFill>
+                  <a:srgbClr val="171717"/>
+                </a:solidFill>
+                <a:latin typeface="Arial MT"/>
+              </a:rPr>
+              <a:t>jdbc:sqlserver</a:t>
+            </a:r>
+            <a:r>
+              <a:rPr lang="en-US" sz="3200" spc="-10" dirty="0">
+                <a:solidFill>
+                  <a:srgbClr val="171717"/>
+                </a:solidFill>
+                <a:latin typeface="Arial MT"/>
+              </a:rPr>
+              <a:t>://localhost:1434;databaseName=</a:t>
+            </a:r>
+            <a:r>
+              <a:rPr lang="en-US" sz="3200" spc="-10" dirty="0" err="1">
+                <a:solidFill>
+                  <a:srgbClr val="171717"/>
+                </a:solidFill>
+                <a:latin typeface="Arial MT"/>
+              </a:rPr>
+              <a:t>loboticket</a:t>
+            </a:r>
+            <a:r>
+              <a:rPr lang="en-US" sz="3200" spc="-10" dirty="0">
+                <a:solidFill>
+                  <a:srgbClr val="171717"/>
+                </a:solidFill>
+                <a:latin typeface="Arial MT"/>
+              </a:rPr>
+              <a:t>; </a:t>
+            </a:r>
+            <a:r>
+              <a:rPr lang="en-US" sz="3200" spc="-10" dirty="0" err="1">
+                <a:solidFill>
+                  <a:srgbClr val="171717"/>
+                </a:solidFill>
+                <a:latin typeface="Arial MT"/>
+              </a:rPr>
+              <a:t>integratedSecurity</a:t>
+            </a:r>
+            <a:r>
+              <a:rPr lang="en-US" sz="3200" spc="-10" dirty="0">
+                <a:solidFill>
+                  <a:srgbClr val="171717"/>
+                </a:solidFill>
+                <a:latin typeface="Arial MT"/>
+              </a:rPr>
+              <a:t>=true;)</a:t>
+            </a:r>
           </a:p>
         </p:txBody>
       </p:sp>
@@ -2276,7 +2436,6 @@
               <a:rPr spc="-140" dirty="0"/>
               <a:t> Classes</a:t>
             </a:r>
-            <a:endParaRPr spc="-140" dirty="0"/>
           </a:p>
         </p:txBody>
       </p:sp>
@@ -2393,7 +2552,9 @@
         <p:txBody>
           <a:bodyPr wrap="square" lIns="0" tIns="0" rIns="0" bIns="0" rtlCol="0"/>
           <a:lstStyle/>
-          <a:p/>
+          <a:p>
+            <a:endParaRPr/>
+          </a:p>
         </p:txBody>
       </p:sp>
       <p:sp>
@@ -2594,7 +2755,9 @@
         <p:txBody>
           <a:bodyPr wrap="square" lIns="0" tIns="0" rIns="0" bIns="0" rtlCol="0"/>
           <a:lstStyle/>
-          <a:p/>
+          <a:p>
+            <a:endParaRPr/>
+          </a:p>
         </p:txBody>
       </p:sp>
       <p:sp>
@@ -2852,7 +3015,9 @@
         <p:txBody>
           <a:bodyPr wrap="square" lIns="0" tIns="0" rIns="0" bIns="0" rtlCol="0"/>
           <a:lstStyle/>
-          <a:p/>
+          <a:p>
+            <a:endParaRPr/>
+          </a:p>
         </p:txBody>
       </p:sp>
       <p:sp>
@@ -3047,7 +3212,9 @@
         <p:txBody>
           <a:bodyPr wrap="square" lIns="0" tIns="0" rIns="0" bIns="0" rtlCol="0"/>
           <a:lstStyle/>
-          <a:p/>
+          <a:p>
+            <a:endParaRPr/>
+          </a:p>
         </p:txBody>
       </p:sp>
       <p:sp>
@@ -3242,7 +3409,9 @@
         <p:txBody>
           <a:bodyPr wrap="square" lIns="0" tIns="0" rIns="0" bIns="0" rtlCol="0"/>
           <a:lstStyle/>
-          <a:p/>
+          <a:p>
+            <a:endParaRPr/>
+          </a:p>
         </p:txBody>
       </p:sp>
       <p:sp>
@@ -3449,7 +3618,9 @@
         <p:txBody>
           <a:bodyPr wrap="square" lIns="0" tIns="0" rIns="0" bIns="0" rtlCol="0"/>
           <a:lstStyle/>
-          <a:p/>
+          <a:p>
+            <a:endParaRPr/>
+          </a:p>
         </p:txBody>
       </p:sp>
       <p:sp>
@@ -3531,9 +3702,11 @@
         <p:spPr/>
         <p:txBody>
           <a:bodyPr/>
+          <a:lstStyle/>
           <a:p>
             <a:fld id="{B6F15528-21DE-4FAA-801E-634DDDAF4B2B}" type="slidenum">
               <a:rPr/>
+              <a:t>11</a:t>
             </a:fld>
             <a:endParaRPr/>
           </a:p>
@@ -3563,6 +3736,7 @@
           <a:bodyPr vert="horz" wrap="square" lIns="0" tIns="10795" rIns="0" bIns="0" rtlCol="0">
             <a:spAutoFit/>
           </a:bodyPr>
+          <a:lstStyle/>
           <a:p>
             <a:pPr marL="107950">
               <a:lnSpc>
@@ -3613,6 +3787,7 @@
           <a:bodyPr vert="horz" wrap="square" lIns="0" tIns="10795" rIns="0" bIns="0" rtlCol="0">
             <a:spAutoFit/>
           </a:bodyPr>
+          <a:lstStyle/>
           <a:p>
             <a:pPr marL="107950">
               <a:lnSpc>
@@ -3728,7 +3903,10 @@
         </p:spPr>
         <p:txBody>
           <a:bodyPr wrap="square" lIns="0" tIns="0" rIns="0" bIns="0" rtlCol="0"/>
-          <a:p/>
+          <a:lstStyle/>
+          <a:p>
+            <a:endParaRPr/>
+          </a:p>
         </p:txBody>
       </p:sp>
     </p:spTree>
@@ -3793,7 +3971,6 @@
               <a:rPr dirty="0"/>
               <a:t>Connections and it's types</a:t>
             </a:r>
-            <a:endParaRPr dirty="0"/>
           </a:p>
         </p:txBody>
       </p:sp>
@@ -3810,9 +3987,11 @@
         <p:spPr/>
         <p:txBody>
           <a:bodyPr/>
+          <a:lstStyle/>
           <a:p>
             <a:fld id="{B6F15528-21DE-4FAA-801E-634DDDAF4B2B}" type="slidenum">
               <a:rPr/>
+              <a:t>12</a:t>
             </a:fld>
             <a:endParaRPr/>
           </a:p>
@@ -3827,7 +4006,7 @@
           <p:nvPr/>
         </p:nvPicPr>
         <p:blipFill>
-          <a:blip r:embed="rId1"/>
+          <a:blip r:embed="rId2"/>
           <a:stretch>
             <a:fillRect/>
           </a:stretch>
@@ -3908,7 +4087,6 @@
               <a:rPr dirty="0"/>
               <a:t>ResultSet Hierarchy</a:t>
             </a:r>
-            <a:endParaRPr dirty="0"/>
           </a:p>
         </p:txBody>
       </p:sp>
@@ -3925,9 +4103,11 @@
         <p:spPr/>
         <p:txBody>
           <a:bodyPr/>
+          <a:lstStyle/>
           <a:p>
             <a:fld id="{B6F15528-21DE-4FAA-801E-634DDDAF4B2B}" type="slidenum">
               <a:rPr/>
+              <a:t>13</a:t>
             </a:fld>
             <a:endParaRPr/>
           </a:p>
@@ -3942,7 +4122,7 @@
           <p:nvPr/>
         </p:nvPicPr>
         <p:blipFill>
-          <a:blip r:embed="rId1"/>
+          <a:blip r:embed="rId2"/>
           <a:srcRect l="910"/>
           <a:stretch>
             <a:fillRect/>
@@ -3996,9 +4176,11 @@
         <p:spPr/>
         <p:txBody>
           <a:bodyPr/>
+          <a:lstStyle/>
           <a:p>
             <a:fld id="{B6F15528-21DE-4FAA-801E-634DDDAF4B2B}" type="slidenum">
               <a:rPr/>
+              <a:t>14</a:t>
             </a:fld>
             <a:endParaRPr/>
           </a:p>
@@ -4013,7 +4195,7 @@
           <p:nvPr/>
         </p:nvPicPr>
         <p:blipFill>
-          <a:blip r:embed="rId1"/>
+          <a:blip r:embed="rId2"/>
           <a:stretch>
             <a:fillRect/>
           </a:stretch>
@@ -4060,7 +4242,7 @@
           <p:nvPr/>
         </p:nvPicPr>
         <p:blipFill>
-          <a:blip r:embed="rId1" cstate="print"/>
+          <a:blip r:embed="rId2" cstate="print"/>
           <a:stretch>
             <a:fillRect/>
           </a:stretch>
@@ -4648,9 +4830,11 @@
         <p:spPr/>
         <p:txBody>
           <a:bodyPr/>
+          <a:lstStyle/>
           <a:p>
             <a:fld id="{B6F15528-21DE-4FAA-801E-634DDDAF4B2B}" type="slidenum">
               <a:rPr/>
+              <a:t>15</a:t>
             </a:fld>
             <a:endParaRPr/>
           </a:p>
@@ -4718,7 +4902,9 @@
         <p:txBody>
           <a:bodyPr wrap="square" lIns="0" tIns="0" rIns="0" bIns="0" rtlCol="0"/>
           <a:lstStyle/>
-          <a:p/>
+          <a:p>
+            <a:endParaRPr/>
+          </a:p>
         </p:txBody>
       </p:sp>
       <p:sp>
@@ -4959,9 +5145,9 @@
                 <a:latin typeface="Arial" panose="020B0604020202020204"/>
                 <a:cs typeface="Arial" panose="020B0604020202020204"/>
               </a:rPr>
-              <a:t>Spring Tool suite</a:t>
-            </a:r>
-            <a:endParaRPr sz="3400">
+              <a:t>Eclipse</a:t>
+            </a:r>
+            <a:endParaRPr sz="3400" dirty="0">
               <a:latin typeface="Arial" panose="020B0604020202020204"/>
               <a:cs typeface="Arial" panose="020B0604020202020204"/>
             </a:endParaRPr>
@@ -4981,9 +5167,11 @@
         <p:spPr/>
         <p:txBody>
           <a:bodyPr/>
+          <a:lstStyle/>
           <a:p>
             <a:fld id="{B6F15528-21DE-4FAA-801E-634DDDAF4B2B}" type="slidenum">
               <a:rPr/>
+              <a:t>16</a:t>
             </a:fld>
             <a:endParaRPr/>
           </a:p>
@@ -5051,7 +5239,9 @@
         <p:txBody>
           <a:bodyPr wrap="square" lIns="0" tIns="0" rIns="0" bIns="0" rtlCol="0"/>
           <a:lstStyle/>
-          <a:p/>
+          <a:p>
+            <a:endParaRPr/>
+          </a:p>
         </p:txBody>
       </p:sp>
       <p:sp>
@@ -5397,7 +5587,6 @@
               <a:rPr spc="-30" dirty="0"/>
               <a:t>'Venues'</a:t>
             </a:r>
-            <a:endParaRPr spc="-30" dirty="0"/>
           </a:p>
           <a:p>
             <a:pPr marL="5806440">
@@ -5452,7 +5641,6 @@
               <a:rPr spc="60" dirty="0"/>
               <a:t>2)</a:t>
             </a:r>
-            <a:endParaRPr spc="60" dirty="0"/>
           </a:p>
           <a:p>
             <a:pPr marL="5806440">
@@ -5515,7 +5703,6 @@
               <a:rPr spc="-35" dirty="0"/>
               <a:t>7)</a:t>
             </a:r>
-            <a:endParaRPr spc="-35" dirty="0"/>
           </a:p>
         </p:txBody>
       </p:sp>
@@ -5532,9 +5719,11 @@
         <p:spPr/>
         <p:txBody>
           <a:bodyPr/>
+          <a:lstStyle/>
           <a:p>
             <a:fld id="{B6F15528-21DE-4FAA-801E-634DDDAF4B2B}" type="slidenum">
               <a:rPr/>
+              <a:t>17</a:t>
             </a:fld>
             <a:endParaRPr/>
           </a:p>
@@ -5572,7 +5761,7 @@
           <p:nvPr/>
         </p:nvPicPr>
         <p:blipFill>
-          <a:blip r:embed="rId1" cstate="print"/>
+          <a:blip r:embed="rId2" cstate="print"/>
           <a:stretch>
             <a:fillRect/>
           </a:stretch>
@@ -5688,9 +5877,11 @@
         <p:spPr/>
         <p:txBody>
           <a:bodyPr/>
+          <a:lstStyle/>
           <a:p>
             <a:fld id="{B6F15528-21DE-4FAA-801E-634DDDAF4B2B}" type="slidenum">
               <a:rPr/>
+              <a:t>18</a:t>
             </a:fld>
             <a:endParaRPr/>
           </a:p>
@@ -5728,7 +5919,7 @@
           <p:nvPr/>
         </p:nvPicPr>
         <p:blipFill>
-          <a:blip r:embed="rId1" cstate="print"/>
+          <a:blip r:embed="rId2" cstate="print"/>
           <a:stretch>
             <a:fillRect/>
           </a:stretch>
@@ -5842,9 +6033,11 @@
         <p:spPr/>
         <p:txBody>
           <a:bodyPr/>
+          <a:lstStyle/>
           <a:p>
             <a:fld id="{B6F15528-21DE-4FAA-801E-634DDDAF4B2B}" type="slidenum">
               <a:rPr/>
+              <a:t>2</a:t>
             </a:fld>
             <a:endParaRPr/>
           </a:p>
@@ -5869,6 +6062,7 @@
           <a:bodyPr vert="horz" wrap="square" lIns="0" tIns="19050" rIns="0" bIns="0" rtlCol="0">
             <a:spAutoFit/>
           </a:bodyPr>
+          <a:lstStyle/>
           <a:p>
             <a:pPr marL="12700" algn="ctr">
               <a:lnSpc>
@@ -5888,13 +6082,6 @@
               </a:rPr>
               <a:t>Assisted Practice</a:t>
             </a:r>
-            <a:endParaRPr sz="5400" dirty="0">
-              <a:solidFill>
-                <a:srgbClr val="FFFFFF"/>
-              </a:solidFill>
-              <a:latin typeface="Verdana" panose="020B0604030504040204"/>
-              <a:cs typeface="Verdana" panose="020B0604030504040204"/>
-            </a:endParaRPr>
           </a:p>
         </p:txBody>
       </p:sp>
@@ -5930,7 +6117,7 @@
           <p:nvPr/>
         </p:nvPicPr>
         <p:blipFill>
-          <a:blip r:embed="rId1" cstate="print"/>
+          <a:blip r:embed="rId2" cstate="print"/>
           <a:stretch>
             <a:fillRect/>
           </a:stretch>
@@ -6385,9 +6572,11 @@
         <p:spPr/>
         <p:txBody>
           <a:bodyPr/>
+          <a:lstStyle/>
           <a:p>
             <a:fld id="{B6F15528-21DE-4FAA-801E-634DDDAF4B2B}" type="slidenum">
               <a:rPr/>
+              <a:t>3</a:t>
             </a:fld>
             <a:endParaRPr/>
           </a:p>
@@ -6455,7 +6644,9 @@
         <p:txBody>
           <a:bodyPr wrap="square" lIns="0" tIns="0" rIns="0" bIns="0" rtlCol="0"/>
           <a:lstStyle/>
-          <a:p/>
+          <a:p>
+            <a:endParaRPr/>
+          </a:p>
         </p:txBody>
       </p:sp>
       <p:sp>
@@ -6495,7 +6686,9 @@
         <p:txBody>
           <a:bodyPr wrap="square" lIns="0" tIns="0" rIns="0" bIns="0" rtlCol="0"/>
           <a:lstStyle/>
-          <a:p/>
+          <a:p>
+            <a:endParaRPr/>
+          </a:p>
         </p:txBody>
       </p:sp>
       <p:sp>
@@ -6535,7 +6728,9 @@
         <p:txBody>
           <a:bodyPr wrap="square" lIns="0" tIns="0" rIns="0" bIns="0" rtlCol="0"/>
           <a:lstStyle/>
-          <a:p/>
+          <a:p>
+            <a:endParaRPr/>
+          </a:p>
         </p:txBody>
       </p:sp>
       <p:sp>
@@ -6575,7 +6770,9 @@
         <p:txBody>
           <a:bodyPr wrap="square" lIns="0" tIns="0" rIns="0" bIns="0" rtlCol="0"/>
           <a:lstStyle/>
-          <a:p/>
+          <a:p>
+            <a:endParaRPr/>
+          </a:p>
         </p:txBody>
       </p:sp>
       <p:sp>
@@ -6615,7 +6812,9 @@
         <p:txBody>
           <a:bodyPr wrap="square" lIns="0" tIns="0" rIns="0" bIns="0" rtlCol="0"/>
           <a:lstStyle/>
-          <a:p/>
+          <a:p>
+            <a:endParaRPr/>
+          </a:p>
         </p:txBody>
       </p:sp>
       <p:sp>
@@ -6663,7 +6862,6 @@
               <a:rPr spc="50" dirty="0"/>
               <a:t>Interfaces</a:t>
             </a:r>
-            <a:endParaRPr spc="50" dirty="0"/>
           </a:p>
         </p:txBody>
       </p:sp>
@@ -6827,13 +7025,6 @@
               </a:rPr>
               <a:t>t</a:t>
             </a:r>
-            <a:endParaRPr sz="3200" b="1" spc="185" dirty="0">
-              <a:solidFill>
-                <a:srgbClr val="404040"/>
-              </a:solidFill>
-              <a:latin typeface="Arial" panose="020B0604020202020204"/>
-              <a:cs typeface="Arial" panose="020B0604020202020204"/>
-            </a:endParaRPr>
           </a:p>
           <a:p>
             <a:pPr marL="12700" marR="5080">
@@ -7084,7 +7275,7 @@
           <p:nvPr/>
         </p:nvPicPr>
         <p:blipFill>
-          <a:blip r:embed="rId1" cstate="print"/>
+          <a:blip r:embed="rId2" cstate="print"/>
           <a:stretch>
             <a:fillRect/>
           </a:stretch>
@@ -7106,7 +7297,7 @@
           <p:nvPr/>
         </p:nvPicPr>
         <p:blipFill>
-          <a:blip r:embed="rId1" cstate="print"/>
+          <a:blip r:embed="rId2" cstate="print"/>
           <a:stretch>
             <a:fillRect/>
           </a:stretch>
@@ -7128,7 +7319,7 @@
           <p:nvPr/>
         </p:nvPicPr>
         <p:blipFill>
-          <a:blip r:embed="rId1" cstate="print"/>
+          <a:blip r:embed="rId2" cstate="print"/>
           <a:stretch>
             <a:fillRect/>
           </a:stretch>
@@ -7150,7 +7341,7 @@
           <p:nvPr/>
         </p:nvPicPr>
         <p:blipFill>
-          <a:blip r:embed="rId1" cstate="print"/>
+          <a:blip r:embed="rId2" cstate="print"/>
           <a:stretch>
             <a:fillRect/>
           </a:stretch>
@@ -7172,7 +7363,7 @@
           <p:nvPr/>
         </p:nvPicPr>
         <p:blipFill>
-          <a:blip r:embed="rId1" cstate="print"/>
+          <a:blip r:embed="rId2" cstate="print"/>
           <a:stretch>
             <a:fillRect/>
           </a:stretch>
@@ -7200,9 +7391,11 @@
         <p:spPr/>
         <p:txBody>
           <a:bodyPr/>
+          <a:lstStyle/>
           <a:p>
             <a:fld id="{B6F15528-21DE-4FAA-801E-634DDDAF4B2B}" type="slidenum">
               <a:rPr/>
+              <a:t>4</a:t>
             </a:fld>
             <a:endParaRPr/>
           </a:p>
@@ -7244,7 +7437,10 @@
         </p:spPr>
         <p:txBody>
           <a:bodyPr wrap="square" lIns="0" tIns="0" rIns="0" bIns="0" rtlCol="0"/>
-          <a:p/>
+          <a:lstStyle/>
+          <a:p>
+            <a:endParaRPr/>
+          </a:p>
         </p:txBody>
       </p:sp>
       <p:pic>
@@ -7254,7 +7450,7 @@
           <p:nvPr/>
         </p:nvPicPr>
         <p:blipFill>
-          <a:blip r:embed="rId1" cstate="print"/>
+          <a:blip r:embed="rId2" cstate="print"/>
           <a:stretch>
             <a:fillRect/>
           </a:stretch>
@@ -8607,9 +8803,11 @@
         <p:spPr/>
         <p:txBody>
           <a:bodyPr/>
+          <a:lstStyle/>
           <a:p>
             <a:fld id="{B6F15528-21DE-4FAA-801E-634DDDAF4B2B}" type="slidenum">
               <a:rPr/>
+              <a:t>5</a:t>
             </a:fld>
             <a:endParaRPr/>
           </a:p>
@@ -9371,9 +9569,11 @@
         <p:spPr/>
         <p:txBody>
           <a:bodyPr/>
+          <a:lstStyle/>
           <a:p>
             <a:fld id="{B6F15528-21DE-4FAA-801E-634DDDAF4B2B}" type="slidenum">
               <a:rPr/>
+              <a:t>6</a:t>
             </a:fld>
             <a:endParaRPr/>
           </a:p>
@@ -9449,7 +9649,6 @@
               <a:rPr spc="290" dirty="0"/>
               <a:t>ut</a:t>
             </a:r>
-            <a:endParaRPr spc="290" dirty="0"/>
           </a:p>
         </p:txBody>
       </p:sp>
@@ -9461,8 +9660,8 @@
         </p:nvSpPr>
         <p:spPr>
           <a:xfrm>
-            <a:off x="2510367" y="3810508"/>
-            <a:ext cx="10483850" cy="635000"/>
+            <a:off x="2697481" y="3872458"/>
+            <a:ext cx="12573000" cy="1256754"/>
           </a:xfrm>
           <a:prstGeom prst="rect">
             <a:avLst/>
@@ -9473,6 +9672,28 @@
             <a:spAutoFit/>
           </a:bodyPr>
           <a:lstStyle/>
+          <a:p>
+            <a:pPr marL="12700">
+              <a:spcBef>
+                <a:spcPts val="100"/>
+              </a:spcBef>
+            </a:pPr>
+            <a:r>
+              <a:rPr lang="en-US" sz="4000" spc="-5" dirty="0" err="1">
+                <a:solidFill>
+                  <a:srgbClr val="171717"/>
+                </a:solidFill>
+                <a:latin typeface="Arial MT"/>
+              </a:rPr>
+              <a:t>com.microsoft.sqlserver.jdbc.SQLServerConnection</a:t>
+            </a:r>
+            <a:endParaRPr lang="en-US" sz="4000" spc="-5" dirty="0">
+              <a:solidFill>
+                <a:srgbClr val="171717"/>
+              </a:solidFill>
+              <a:latin typeface="Arial MT"/>
+            </a:endParaRPr>
+          </a:p>
           <a:p>
             <a:pPr marL="12700">
               <a:lnSpc>
@@ -9482,17 +9703,7 @@
                 <a:spcPts val="100"/>
               </a:spcBef>
             </a:pPr>
-            <a:r>
-              <a:rPr sz="4000" spc="-5" dirty="0">
-                <a:solidFill>
-                  <a:srgbClr val="171717"/>
-                </a:solidFill>
-                <a:latin typeface="Arial MT"/>
-                <a:cs typeface="Arial MT"/>
-              </a:rPr>
-              <a:t>com.mysql.cj.jdbc.ConnectionImpl@2ea41516</a:t>
-            </a:r>
-            <a:endParaRPr sz="4000">
+            <a:endParaRPr lang="en-US" sz="4000" dirty="0">
               <a:latin typeface="Arial MT"/>
               <a:cs typeface="Arial MT"/>
             </a:endParaRPr>
@@ -9698,7 +9909,7 @@
               </a:rPr>
               <a:t>name</a:t>
             </a:r>
-            <a:endParaRPr sz="3500">
+            <a:endParaRPr sz="3500" dirty="0">
               <a:latin typeface="Microsoft Sans Serif" panose="020B0604020202020204"/>
               <a:cs typeface="Microsoft Sans Serif" panose="020B0604020202020204"/>
             </a:endParaRPr>
@@ -9718,9 +9929,11 @@
         <p:spPr/>
         <p:txBody>
           <a:bodyPr/>
+          <a:lstStyle/>
           <a:p>
             <a:fld id="{B6F15528-21DE-4FAA-801E-634DDDAF4B2B}" type="slidenum">
               <a:rPr/>
+              <a:t>7</a:t>
             </a:fld>
             <a:endParaRPr/>
           </a:p>
@@ -9788,7 +10001,9 @@
         <p:txBody>
           <a:bodyPr wrap="square" lIns="0" tIns="0" rIns="0" bIns="0" rtlCol="0"/>
           <a:lstStyle/>
-          <a:p/>
+          <a:p>
+            <a:endParaRPr/>
+          </a:p>
         </p:txBody>
       </p:sp>
       <p:sp>
@@ -9836,7 +10051,6 @@
               <a:rPr spc="-30" dirty="0"/>
               <a:t>Driver</a:t>
             </a:r>
-            <a:endParaRPr spc="-30" dirty="0"/>
           </a:p>
         </p:txBody>
       </p:sp>
@@ -10413,9 +10627,11 @@
         <p:spPr/>
         <p:txBody>
           <a:bodyPr/>
+          <a:lstStyle/>
           <a:p>
             <a:fld id="{B6F15528-21DE-4FAA-801E-634DDDAF4B2B}" type="slidenum">
               <a:rPr/>
+              <a:t>8</a:t>
             </a:fld>
             <a:endParaRPr/>
           </a:p>
@@ -10541,7 +10757,7 @@
         <p:spPr>
           <a:xfrm>
             <a:off x="309033" y="2360676"/>
-            <a:ext cx="12673965" cy="513080"/>
+            <a:ext cx="16607367" cy="997709"/>
           </a:xfrm>
           <a:prstGeom prst="rect">
             <a:avLst/>
@@ -10554,27 +10770,82 @@
           <a:lstStyle/>
           <a:p>
             <a:pPr marL="12700">
-              <a:lnSpc>
-                <a:spcPct val="100000"/>
-              </a:lnSpc>
               <a:spcBef>
                 <a:spcPts val="100"/>
               </a:spcBef>
             </a:pPr>
             <a:r>
+              <a:rPr sz="3200" spc="-10" dirty="0" err="1">
+                <a:solidFill>
+                  <a:srgbClr val="171717"/>
+                </a:solidFill>
+                <a:latin typeface="Arial MT"/>
+              </a:rPr>
+              <a:t>DriverManager.getConnection</a:t>
+            </a:r>
+            <a:r>
               <a:rPr sz="3200" spc="-10" dirty="0">
                 <a:solidFill>
                   <a:srgbClr val="171717"/>
                 </a:solidFill>
                 <a:latin typeface="Arial MT"/>
-                <a:cs typeface="Arial MT"/>
-              </a:rPr>
-              <a:t>DriverManager.getConnection("jdbc:mysql://localhost:3306/loboticket")</a:t>
-            </a:r>
-            <a:endParaRPr sz="3200">
-              <a:latin typeface="Arial MT"/>
-              <a:cs typeface="Arial MT"/>
-            </a:endParaRPr>
+              </a:rPr>
+              <a:t>("</a:t>
+            </a:r>
+            <a:r>
+              <a:rPr lang="en-US" sz="3200" spc="-10" dirty="0" err="1">
+                <a:solidFill>
+                  <a:srgbClr val="171717"/>
+                </a:solidFill>
+                <a:latin typeface="Arial MT"/>
+              </a:rPr>
+              <a:t>jdbc:sqlserver</a:t>
+            </a:r>
+            <a:r>
+              <a:rPr lang="en-US" sz="3200" spc="-10" dirty="0">
+                <a:solidFill>
+                  <a:srgbClr val="171717"/>
+                </a:solidFill>
+                <a:latin typeface="Arial MT"/>
+              </a:rPr>
+              <a:t>://localhost:1434;databaseName=</a:t>
+            </a:r>
+            <a:r>
+              <a:rPr lang="en-US" sz="3200" spc="-10" dirty="0" err="1">
+                <a:solidFill>
+                  <a:srgbClr val="171717"/>
+                </a:solidFill>
+                <a:latin typeface="Arial MT"/>
+              </a:rPr>
+              <a:t>loboticket</a:t>
+            </a:r>
+            <a:r>
+              <a:rPr lang="en-US" sz="3200" spc="-10" dirty="0">
+                <a:solidFill>
+                  <a:srgbClr val="171717"/>
+                </a:solidFill>
+                <a:latin typeface="Arial MT"/>
+              </a:rPr>
+              <a:t>; </a:t>
+            </a:r>
+            <a:r>
+              <a:rPr lang="en-US" sz="3200" spc="-10" dirty="0" err="1">
+                <a:solidFill>
+                  <a:srgbClr val="171717"/>
+                </a:solidFill>
+                <a:latin typeface="Arial MT"/>
+              </a:rPr>
+              <a:t>integratedSecurity</a:t>
+            </a:r>
+            <a:r>
+              <a:rPr lang="en-US" sz="3200" spc="-10" dirty="0">
+                <a:solidFill>
+                  <a:srgbClr val="171717"/>
+                </a:solidFill>
+                <a:latin typeface="Arial MT"/>
+              </a:rPr>
+              <a:t>=true;)</a:t>
+            </a:r>
           </a:p>
         </p:txBody>
       </p:sp>
@@ -10591,9 +10862,11 @@
         <p:spPr/>
         <p:txBody>
           <a:bodyPr/>
+          <a:lstStyle/>
           <a:p>
             <a:fld id="{B6F15528-21DE-4FAA-801E-634DDDAF4B2B}" type="slidenum">
               <a:rPr/>
+              <a:t>9</a:t>
             </a:fld>
             <a:endParaRPr/>
           </a:p>
@@ -10885,6 +11158,8 @@
       </a:bgFillStyleLst>
     </a:fmtScheme>
   </a:themeElements>
+  <a:objectDefaults/>
+  <a:extraClrSchemeLst/>
   <a:extLst>
     <a:ext uri="{05A4C25C-085E-4340-85A3-A5531E510DB2}">
       <thm15:themeFamily xmlns:thm15="http://schemas.microsoft.com/office/thememl/2012/main" name="Office Theme" id="{62F939B6-93AF-4DB8-9C6B-D6C7DFDC589F}" vid="{4A3C46E8-61CC-4603-A589-7422A47A8E4A}"/>
@@ -11144,6 +11419,8 @@
       </a:bgFillStyleLst>
     </a:fmtScheme>
   </a:themeElements>
+  <a:objectDefaults/>
+  <a:extraClrSchemeLst/>
   <a:extLst>
     <a:ext uri="{05A4C25C-085E-4340-85A3-A5531E510DB2}">
       <thm15:themeFamily xmlns:thm15="http://schemas.microsoft.com/office/thememl/2012/main" name="Office Theme" id="{62F939B6-93AF-4DB8-9C6B-D6C7DFDC589F}" vid="{4A3C46E8-61CC-4603-A589-7422A47A8E4A}"/>

--- a/Day 6/Slides/3. Introduction to JDBC/introduction-to-jdbc-slides.pptx
+++ b/Day 6/Slides/3. Introduction to JDBC/introduction-to-jdbc-slides.pptx
@@ -222,7 +222,7 @@
           <a:p>
             <a:fld id="{3EFD42F7-718C-4B98-AAEC-167E6DDD60A7}" type="datetimeFigureOut">
               <a:rPr lang="en-US" smtClean="0"/>
-              <a:t>8/6/2023</a:t>
+              <a:t>8/10/2023</a:t>
             </a:fld>
             <a:endParaRPr lang="en-US"/>
           </a:p>
@@ -627,7 +627,7 @@
           <a:p>
             <a:fld id="{1D8BD707-D9CF-40AE-B4C6-C98DA3205C09}" type="datetimeFigureOut">
               <a:rPr lang="en-US"/>
-              <a:t>8/6/2023</a:t>
+              <a:t>8/10/2023</a:t>
             </a:fld>
             <a:endParaRPr lang="en-US"/>
           </a:p>
@@ -806,7 +806,7 @@
           <a:p>
             <a:fld id="{1D8BD707-D9CF-40AE-B4C6-C98DA3205C09}" type="datetimeFigureOut">
               <a:rPr lang="en-US"/>
-              <a:t>8/6/2023</a:t>
+              <a:t>8/10/2023</a:t>
             </a:fld>
             <a:endParaRPr lang="en-US"/>
           </a:p>
@@ -1152,7 +1152,7 @@
           <a:p>
             <a:fld id="{1D8BD707-D9CF-40AE-B4C6-C98DA3205C09}" type="datetimeFigureOut">
               <a:rPr lang="en-US"/>
-              <a:t>8/6/2023</a:t>
+              <a:t>8/10/2023</a:t>
             </a:fld>
             <a:endParaRPr lang="en-US"/>
           </a:p>
@@ -1302,7 +1302,7 @@
           <a:p>
             <a:fld id="{1D8BD707-D9CF-40AE-B4C6-C98DA3205C09}" type="datetimeFigureOut">
               <a:rPr lang="en-US"/>
-              <a:t>8/6/2023</a:t>
+              <a:t>8/10/2023</a:t>
             </a:fld>
             <a:endParaRPr lang="en-US"/>
           </a:p>
@@ -1553,7 +1553,7 @@
           <a:p>
             <a:fld id="{1D8BD707-D9CF-40AE-B4C6-C98DA3205C09}" type="datetimeFigureOut">
               <a:rPr lang="en-US"/>
-              <a:t>8/6/2023</a:t>
+              <a:t>8/10/2023</a:t>
             </a:fld>
             <a:endParaRPr lang="en-US"/>
           </a:p>
@@ -1780,7 +1780,7 @@
           <a:p>
             <a:fld id="{1D8BD707-D9CF-40AE-B4C6-C98DA3205C09}" type="datetimeFigureOut">
               <a:rPr lang="en-US"/>
-              <a:t>8/6/2023</a:t>
+              <a:t>8/10/2023</a:t>
             </a:fld>
             <a:endParaRPr lang="en-US"/>
           </a:p>
@@ -6073,15 +6073,19 @@
               </a:spcBef>
             </a:pPr>
             <a:r>
-              <a:rPr sz="5400" dirty="0">
+              <a:rPr lang="en-US" sz="5400" spc="-80" dirty="0">
                 <a:solidFill>
                   <a:srgbClr val="FFFFFF"/>
                 </a:solidFill>
-                <a:latin typeface="Verdana" panose="020B0604030504040204"/>
-                <a:cs typeface="Verdana" panose="020B0604030504040204"/>
-              </a:rPr>
-              <a:t>Assisted Practice</a:t>
-            </a:r>
+                <a:latin typeface="Microsoft Sans Serif" panose="020B0604020202020204"/>
+                <a:cs typeface="Microsoft Sans Serif" panose="020B0604020202020204"/>
+              </a:rPr>
+              <a:t>Demo</a:t>
+            </a:r>
+            <a:endParaRPr lang="en-US" sz="5400" dirty="0">
+              <a:latin typeface="Microsoft Sans Serif" panose="020B0604020202020204"/>
+              <a:cs typeface="Microsoft Sans Serif" panose="020B0604020202020204"/>
+            </a:endParaRPr>
           </a:p>
         </p:txBody>
       </p:sp>
